--- a/lecture-materials/Security/secretManager/secret manager.pptx
+++ b/lecture-materials/Security/secretManager/secret manager.pptx
@@ -5,7 +5,7 @@
     <p:sldMasterId id="2147483662" r:id="rId1"/>
   </p:sldMasterIdLst>
   <p:notesMasterIdLst>
-    <p:notesMasterId r:id="rId9"/>
+    <p:notesMasterId r:id="rId11"/>
   </p:notesMasterIdLst>
   <p:sldIdLst>
     <p:sldId id="257" r:id="rId2"/>
@@ -15,16 +15,18 @@
     <p:sldId id="261" r:id="rId6"/>
     <p:sldId id="262" r:id="rId7"/>
     <p:sldId id="263" r:id="rId8"/>
+    <p:sldId id="269" r:id="rId9"/>
+    <p:sldId id="270" r:id="rId10"/>
   </p:sldIdLst>
   <p:sldSz cx="9144000" cy="5143500" type="screen16x9"/>
   <p:notesSz cx="6858000" cy="9144000"/>
   <p:embeddedFontLst>
     <p:embeddedFont>
       <p:font typeface="Economica" panose="02000506040000020004" pitchFamily="2" charset="77"/>
-      <p:regular r:id="rId10"/>
-      <p:bold r:id="rId11"/>
-      <p:italic r:id="rId12"/>
-      <p:boldItalic r:id="rId13"/>
+      <p:regular r:id="rId12"/>
+      <p:bold r:id="rId13"/>
+      <p:italic r:id="rId14"/>
+      <p:boldItalic r:id="rId15"/>
     </p:embeddedFont>
   </p:embeddedFontLst>
   <p:defaultTextStyle>
@@ -1364,6 +1366,110 @@
 </p:notes>
 </file>
 
+<file path=ppt/notesSlides/notesSlide8.xml><?xml version="1.0" encoding="utf-8"?>
+<p:notes xmlns:a="http://schemas.openxmlformats.org/drawingml/2006/main" xmlns:r="http://schemas.openxmlformats.org/officeDocument/2006/relationships" xmlns:p="http://schemas.openxmlformats.org/presentationml/2006/main" showMasterSp="0" showMasterPhAnim="0">
+  <p:cSld>
+    <p:spTree>
+      <p:nvGrpSpPr>
+        <p:cNvPr id="1" name="Shape 142"/>
+        <p:cNvGrpSpPr/>
+        <p:nvPr/>
+      </p:nvGrpSpPr>
+      <p:grpSpPr>
+        <a:xfrm>
+          <a:off x="0" y="0"/>
+          <a:ext cx="0" cy="0"/>
+          <a:chOff x="0" y="0"/>
+          <a:chExt cx="0" cy="0"/>
+        </a:xfrm>
+      </p:grpSpPr>
+      <p:sp>
+        <p:nvSpPr>
+          <p:cNvPr id="143" name="Google Shape;143;g25f39a6baed_0_67:notes"/>
+          <p:cNvSpPr txBox="1">
+            <a:spLocks noGrp="1"/>
+          </p:cNvSpPr>
+          <p:nvPr>
+            <p:ph type="body" idx="1"/>
+          </p:nvPr>
+        </p:nvSpPr>
+        <p:spPr>
+          <a:xfrm>
+            <a:off x="685800" y="4343400"/>
+            <a:ext cx="5486400" cy="4114800"/>
+          </a:xfrm>
+          <a:prstGeom prst="rect">
+            <a:avLst/>
+          </a:prstGeom>
+        </p:spPr>
+        <p:txBody>
+          <a:bodyPr spcFirstLastPara="1" wrap="square" lIns="91425" tIns="91425" rIns="91425" bIns="91425" anchor="t" anchorCtr="0">
+            <a:noAutofit/>
+          </a:bodyPr>
+          <a:lstStyle/>
+          <a:p>
+            <a:pPr marL="0" lvl="0" indent="0" algn="l" rtl="0">
+              <a:spcBef>
+                <a:spcPts val="0"/>
+              </a:spcBef>
+              <a:spcAft>
+                <a:spcPts val="0"/>
+              </a:spcAft>
+              <a:buNone/>
+            </a:pPr>
+            <a:endParaRPr/>
+          </a:p>
+        </p:txBody>
+      </p:sp>
+      <p:sp>
+        <p:nvSpPr>
+          <p:cNvPr id="144" name="Google Shape;144;g25f39a6baed_0_67:notes"/>
+          <p:cNvSpPr>
+            <a:spLocks noGrp="1" noRot="1" noChangeAspect="1"/>
+          </p:cNvSpPr>
+          <p:nvPr>
+            <p:ph type="sldImg" idx="2"/>
+          </p:nvPr>
+        </p:nvSpPr>
+        <p:spPr>
+          <a:xfrm>
+            <a:off x="381000" y="685800"/>
+            <a:ext cx="6096000" cy="3429000"/>
+          </a:xfrm>
+          <a:custGeom>
+            <a:avLst/>
+            <a:gdLst/>
+            <a:ahLst/>
+            <a:cxnLst/>
+            <a:rect l="l" t="t" r="r" b="b"/>
+            <a:pathLst>
+              <a:path w="120000" h="120000" extrusionOk="0">
+                <a:moveTo>
+                  <a:pt x="0" y="0"/>
+                </a:moveTo>
+                <a:lnTo>
+                  <a:pt x="120000" y="0"/>
+                </a:lnTo>
+                <a:lnTo>
+                  <a:pt x="120000" y="120000"/>
+                </a:lnTo>
+                <a:lnTo>
+                  <a:pt x="0" y="120000"/>
+                </a:lnTo>
+                <a:close/>
+              </a:path>
+            </a:pathLst>
+          </a:custGeom>
+        </p:spPr>
+      </p:sp>
+    </p:spTree>
+  </p:cSld>
+  <p:clrMapOvr>
+    <a:masterClrMapping/>
+  </p:clrMapOvr>
+</p:notes>
+</file>
+
 <file path=ppt/slideLayouts/slideLayout1.xml><?xml version="1.0" encoding="utf-8"?>
 <p:sldLayout xmlns:a="http://schemas.openxmlformats.org/drawingml/2006/main" xmlns:r="http://schemas.openxmlformats.org/officeDocument/2006/relationships" xmlns:p="http://schemas.openxmlformats.org/presentationml/2006/main" type="title" preserve="1">
   <p:cSld name="Title Slide">
@@ -1513,7 +1619,7 @@
           <a:p>
             <a:fld id="{69E8EC44-F63A-F841-B0FA-38FD2C076BE2}" type="datetimeFigureOut">
               <a:rPr lang="en-CH" smtClean="0"/>
-              <a:t>26.12.2023</a:t>
+              <a:t>12.02.2024</a:t>
             </a:fld>
             <a:endParaRPr lang="en-CH"/>
           </a:p>
@@ -1723,7 +1829,7 @@
           <a:p>
             <a:fld id="{69E8EC44-F63A-F841-B0FA-38FD2C076BE2}" type="datetimeFigureOut">
               <a:rPr lang="en-CH" smtClean="0"/>
-              <a:t>26.12.2023</a:t>
+              <a:t>12.02.2024</a:t>
             </a:fld>
             <a:endParaRPr lang="en-CH"/>
           </a:p>
@@ -1943,7 +2049,7 @@
           <a:p>
             <a:fld id="{69E8EC44-F63A-F841-B0FA-38FD2C076BE2}" type="datetimeFigureOut">
               <a:rPr lang="en-CH" smtClean="0"/>
-              <a:t>26.12.2023</a:t>
+              <a:t>12.02.2024</a:t>
             </a:fld>
             <a:endParaRPr lang="en-CH"/>
           </a:p>
@@ -2520,7 +2626,7 @@
           <a:p>
             <a:fld id="{69E8EC44-F63A-F841-B0FA-38FD2C076BE2}" type="datetimeFigureOut">
               <a:rPr lang="en-CH" smtClean="0"/>
-              <a:t>26.12.2023</a:t>
+              <a:t>12.02.2024</a:t>
             </a:fld>
             <a:endParaRPr lang="en-CH"/>
           </a:p>
@@ -2806,7 +2912,7 @@
           <a:p>
             <a:fld id="{69E8EC44-F63A-F841-B0FA-38FD2C076BE2}" type="datetimeFigureOut">
               <a:rPr lang="en-CH" smtClean="0"/>
-              <a:t>26.12.2023</a:t>
+              <a:t>12.02.2024</a:t>
             </a:fld>
             <a:endParaRPr lang="en-CH"/>
           </a:p>
@@ -3084,7 +3190,7 @@
           <a:p>
             <a:fld id="{69E8EC44-F63A-F841-B0FA-38FD2C076BE2}" type="datetimeFigureOut">
               <a:rPr lang="en-CH" smtClean="0"/>
-              <a:t>26.12.2023</a:t>
+              <a:t>12.02.2024</a:t>
             </a:fld>
             <a:endParaRPr lang="en-CH"/>
           </a:p>
@@ -3509,7 +3615,7 @@
           <a:p>
             <a:fld id="{69E8EC44-F63A-F841-B0FA-38FD2C076BE2}" type="datetimeFigureOut">
               <a:rPr lang="en-CH" smtClean="0"/>
-              <a:t>26.12.2023</a:t>
+              <a:t>12.02.2024</a:t>
             </a:fld>
             <a:endParaRPr lang="en-CH"/>
           </a:p>
@@ -3661,7 +3767,7 @@
           <a:p>
             <a:fld id="{69E8EC44-F63A-F841-B0FA-38FD2C076BE2}" type="datetimeFigureOut">
               <a:rPr lang="en-CH" smtClean="0"/>
-              <a:t>26.12.2023</a:t>
+              <a:t>12.02.2024</a:t>
             </a:fld>
             <a:endParaRPr lang="en-CH"/>
           </a:p>
@@ -3784,7 +3890,7 @@
           <a:p>
             <a:fld id="{69E8EC44-F63A-F841-B0FA-38FD2C076BE2}" type="datetimeFigureOut">
               <a:rPr lang="en-CH" smtClean="0"/>
-              <a:t>26.12.2023</a:t>
+              <a:t>12.02.2024</a:t>
             </a:fld>
             <a:endParaRPr lang="en-CH"/>
           </a:p>
@@ -4106,7 +4212,7 @@
           <a:p>
             <a:fld id="{69E8EC44-F63A-F841-B0FA-38FD2C076BE2}" type="datetimeFigureOut">
               <a:rPr lang="en-CH" smtClean="0"/>
-              <a:t>26.12.2023</a:t>
+              <a:t>12.02.2024</a:t>
             </a:fld>
             <a:endParaRPr lang="en-CH"/>
           </a:p>
@@ -4405,7 +4511,7 @@
           <a:p>
             <a:fld id="{69E8EC44-F63A-F841-B0FA-38FD2C076BE2}" type="datetimeFigureOut">
               <a:rPr lang="en-CH" smtClean="0"/>
-              <a:t>26.12.2023</a:t>
+              <a:t>12.02.2024</a:t>
             </a:fld>
             <a:endParaRPr lang="en-CH"/>
           </a:p>
@@ -4658,7 +4764,7 @@
           <a:p>
             <a:fld id="{69E8EC44-F63A-F841-B0FA-38FD2C076BE2}" type="datetimeFigureOut">
               <a:rPr lang="en-CH" smtClean="0"/>
-              <a:t>26.12.2023</a:t>
+              <a:t>12.02.2024</a:t>
             </a:fld>
             <a:endParaRPr lang="en-CH"/>
           </a:p>
@@ -7728,7 +7834,7 @@
         </p:spPr>
         <p:txBody>
           <a:bodyPr spcFirstLastPara="1" vert="horz" lIns="91440" tIns="45720" rIns="91440" bIns="45720" rtlCol="0" anchor="t" anchorCtr="0">
-            <a:normAutofit fontScale="92500" lnSpcReduction="10000"/>
+            <a:normAutofit fontScale="92500" lnSpcReduction="20000"/>
           </a:bodyPr>
           <a:lstStyle/>
           <a:p>
@@ -7749,7 +7855,16 @@
               <a:rPr lang="en-US" sz="1050" b="0" i="0" dirty="0">
                 <a:effectLst/>
               </a:rPr>
-              <a:t>. The administrator also configures those credentials with the permissions required for the application to access the Personnel database.</a:t>
+              <a:t>. </a:t>
+            </a:r>
+          </a:p>
+          <a:p>
+            <a:pPr indent="-228600" defTabSz="914400"/>
+            <a:r>
+              <a:rPr lang="en-US" sz="1050" b="0" i="0" dirty="0">
+                <a:effectLst/>
+              </a:rPr>
+              <a:t>The administrator also configures those credentials with the permissions required for the application to access the Personnel database.</a:t>
             </a:r>
           </a:p>
           <a:p>
@@ -7770,7 +7885,16 @@
               <a:rPr lang="en-US" sz="1050" b="0" i="0" dirty="0">
                 <a:effectLst/>
               </a:rPr>
-              <a:t>. Then, Secrets Manager encrypts and stores the credentials within the secret as the protected secret text.</a:t>
+              <a:t>. </a:t>
+            </a:r>
+          </a:p>
+          <a:p>
+            <a:pPr indent="-228600" defTabSz="914400"/>
+            <a:r>
+              <a:rPr lang="en-US" sz="1050" b="0" i="0" dirty="0">
+                <a:effectLst/>
+              </a:rPr>
+              <a:t>Then, Secrets Manager encrypts and stores the credentials within the secret as the protected secret text.</a:t>
             </a:r>
           </a:p>
           <a:p>
@@ -9919,7 +10043,7 @@
               <a:buChar char="•"/>
             </a:pPr>
             <a:r>
-              <a:rPr lang="en-US" sz="900">
+              <a:rPr lang="en-US" sz="1050" dirty="0">
                 <a:highlight>
                   <a:srgbClr val="FFFFFF"/>
                 </a:highlight>
@@ -9944,7 +10068,7 @@
               <a:buChar char="•"/>
             </a:pPr>
             <a:r>
-              <a:rPr lang="en-US" sz="900">
+              <a:rPr lang="en-US" sz="1050" dirty="0">
                 <a:highlight>
                   <a:srgbClr val="FFFFFF"/>
                 </a:highlight>
@@ -9953,7 +10077,7 @@
               <a:t>Secrets Manager uses </a:t>
             </a:r>
             <a:r>
-              <a:rPr lang="en-US" sz="900" b="1" u="sng">
+              <a:rPr lang="en-US" sz="1050" b="1" u="sng" dirty="0">
                 <a:highlight>
                   <a:srgbClr val="FFFFFF"/>
                 </a:highlight>
@@ -9962,7 +10086,7 @@
               <a:t>encryption </a:t>
             </a:r>
             <a:r>
-              <a:rPr lang="en-US" sz="900">
+              <a:rPr lang="en-US" sz="1050" dirty="0">
                 <a:highlight>
                   <a:srgbClr val="FFFFFF"/>
                 </a:highlight>
@@ -9971,7 +10095,7 @@
               <a:t>via </a:t>
             </a:r>
             <a:r>
-              <a:rPr lang="en-US" sz="900" b="1" u="sng">
+              <a:rPr lang="en-US" sz="1050" b="1" u="sng" dirty="0">
                 <a:highlight>
                   <a:srgbClr val="FFFFFF"/>
                 </a:highlight>
@@ -9996,7 +10120,7 @@
               <a:buChar char="•"/>
             </a:pPr>
             <a:r>
-              <a:rPr lang="en-US" sz="900">
+              <a:rPr lang="en-US" sz="1050" dirty="0">
                 <a:highlight>
                   <a:srgbClr val="FFFFFF"/>
                 </a:highlight>
@@ -10005,7 +10129,7 @@
               <a:t>Every </a:t>
             </a:r>
             <a:r>
-              <a:rPr lang="en-US" sz="900" b="1" u="sng">
+              <a:rPr lang="en-US" sz="1050" b="1" u="sng" dirty="0">
                 <a:highlight>
                   <a:srgbClr val="FFFFFF"/>
                 </a:highlight>
@@ -10014,7 +10138,7 @@
               <a:t>secret </a:t>
             </a:r>
             <a:r>
-              <a:rPr lang="en-US" sz="900">
+              <a:rPr lang="en-US" sz="1050" dirty="0">
                 <a:highlight>
                   <a:srgbClr val="FFFFFF"/>
                 </a:highlight>
@@ -10023,7 +10147,7 @@
               <a:t>in Secrets Manager is </a:t>
             </a:r>
             <a:r>
-              <a:rPr lang="en-US" sz="900" b="1" u="sng">
+              <a:rPr lang="en-US" sz="1050" b="1" u="sng" dirty="0">
                 <a:highlight>
                   <a:srgbClr val="FFFFFF"/>
                 </a:highlight>
@@ -10032,7 +10156,7 @@
               <a:t>encrypted </a:t>
             </a:r>
             <a:r>
-              <a:rPr lang="en-US" sz="900">
+              <a:rPr lang="en-US" sz="1050" dirty="0">
                 <a:highlight>
                   <a:srgbClr val="FFFFFF"/>
                 </a:highlight>
@@ -10041,7 +10165,7 @@
               <a:t>with a </a:t>
             </a:r>
             <a:r>
-              <a:rPr lang="en-US" sz="900" b="1" u="sng">
+              <a:rPr lang="en-US" sz="1050" b="1" u="sng" dirty="0">
                 <a:highlight>
                   <a:srgbClr val="FFFFFF"/>
                 </a:highlight>
@@ -10050,7 +10174,7 @@
               <a:t>unique data key</a:t>
             </a:r>
             <a:r>
-              <a:rPr lang="en-US" sz="900">
+              <a:rPr lang="en-US" sz="1050" dirty="0">
                 <a:highlight>
                   <a:srgbClr val="FFFFFF"/>
                 </a:highlight>
@@ -10075,7 +10199,7 @@
               <a:buChar char="•"/>
             </a:pPr>
             <a:r>
-              <a:rPr lang="en-US" sz="900">
+              <a:rPr lang="en-US" sz="1050" dirty="0">
                 <a:highlight>
                   <a:srgbClr val="FFFFFF"/>
                 </a:highlight>
@@ -10084,7 +10208,7 @@
               <a:t>You can choose to use </a:t>
             </a:r>
             <a:r>
-              <a:rPr lang="en-US" sz="900" b="1" u="sng">
+              <a:rPr lang="en-US" sz="1050" b="1" u="sng" dirty="0">
                 <a:highlight>
                   <a:srgbClr val="FFFFFF"/>
                 </a:highlight>
@@ -10093,7 +10217,7 @@
               <a:t>default encryption</a:t>
             </a:r>
             <a:r>
-              <a:rPr lang="en-US" sz="900">
+              <a:rPr lang="en-US" sz="1050" dirty="0">
                 <a:highlight>
                   <a:srgbClr val="FFFFFF"/>
                 </a:highlight>
@@ -10102,7 +10226,7 @@
               <a:t> with the Secrets Manager </a:t>
             </a:r>
             <a:r>
-              <a:rPr lang="en-US" sz="900" b="1" u="sng">
+              <a:rPr lang="en-US" sz="1050" b="1" u="sng" dirty="0">
                 <a:highlight>
                   <a:srgbClr val="FFFFFF"/>
                 </a:highlight>
@@ -10111,7 +10235,7 @@
               <a:t>AWS managed key</a:t>
             </a:r>
             <a:r>
-              <a:rPr lang="en-US" sz="900">
+              <a:rPr lang="en-US" sz="1050" dirty="0">
                 <a:highlight>
                   <a:srgbClr val="FFFFFF"/>
                 </a:highlight>
@@ -10136,7 +10260,7 @@
               <a:buChar char="•"/>
             </a:pPr>
             <a:r>
-              <a:rPr lang="en-US" sz="900">
+              <a:rPr lang="en-US" sz="1050" dirty="0">
                 <a:highlight>
                   <a:srgbClr val="FFFFFF"/>
                 </a:highlight>
@@ -10145,7 +10269,7 @@
               <a:t>You can create your </a:t>
             </a:r>
             <a:r>
-              <a:rPr lang="en-US" sz="900" b="1" u="sng">
+              <a:rPr lang="en-US" sz="1050" b="1" u="sng" dirty="0">
                 <a:highlight>
                   <a:srgbClr val="FFFFFF"/>
                 </a:highlight>
@@ -10154,7 +10278,7 @@
               <a:t>own customer managed key</a:t>
             </a:r>
             <a:r>
-              <a:rPr lang="en-US" sz="900">
+              <a:rPr lang="en-US" sz="1050" dirty="0">
                 <a:highlight>
                   <a:srgbClr val="FFFFFF"/>
                 </a:highlight>
@@ -10179,7 +10303,7 @@
               <a:buChar char="•"/>
             </a:pPr>
             <a:r>
-              <a:rPr lang="en-US" sz="900">
+              <a:rPr lang="en-US" sz="1050" dirty="0">
                 <a:highlight>
                   <a:srgbClr val="FFFFFF"/>
                 </a:highlight>
@@ -10188,7 +10312,7 @@
               <a:t>Using a </a:t>
             </a:r>
             <a:r>
-              <a:rPr lang="en-US" sz="900" b="1" u="sng">
+              <a:rPr lang="en-US" sz="1050" b="1" u="sng" dirty="0">
                 <a:highlight>
                   <a:srgbClr val="FFFFFF"/>
                 </a:highlight>
@@ -10197,7 +10321,7 @@
               <a:t>customer managed key</a:t>
             </a:r>
             <a:r>
-              <a:rPr lang="en-US" sz="900">
+              <a:rPr lang="en-US" sz="1050" dirty="0">
                 <a:highlight>
                   <a:srgbClr val="FFFFFF"/>
                 </a:highlight>
@@ -10206,7 +10330,7 @@
               <a:t> gives you more </a:t>
             </a:r>
             <a:r>
-              <a:rPr lang="en-US" sz="900" b="1" u="sng">
+              <a:rPr lang="en-US" sz="1050" b="1" u="sng" dirty="0">
                 <a:highlight>
                   <a:srgbClr val="FFFFFF"/>
                 </a:highlight>
@@ -10215,7 +10339,7 @@
               <a:t>granular authorization controls</a:t>
             </a:r>
             <a:r>
-              <a:rPr lang="en-US" sz="900">
+              <a:rPr lang="en-US" sz="1050" dirty="0">
                 <a:highlight>
                   <a:srgbClr val="FFFFFF"/>
                 </a:highlight>
@@ -10224,7 +10348,7 @@
               <a:t> over your </a:t>
             </a:r>
             <a:r>
-              <a:rPr lang="en-US" sz="900" b="1" u="sng">
+              <a:rPr lang="en-US" sz="1050" b="1" u="sng" dirty="0">
                 <a:highlight>
                   <a:srgbClr val="FFFFFF"/>
                 </a:highlight>
@@ -10233,7 +10357,7 @@
               <a:t>KMS key</a:t>
             </a:r>
             <a:r>
-              <a:rPr lang="en-US" sz="900">
+              <a:rPr lang="en-US" sz="1050" dirty="0">
                 <a:highlight>
                   <a:srgbClr val="FFFFFF"/>
                 </a:highlight>
@@ -10255,7 +10379,7 @@
               <a:buChar char="•"/>
             </a:pPr>
             <a:r>
-              <a:rPr lang="en-US" sz="900">
+              <a:rPr lang="en-US" sz="1050" dirty="0">
                 <a:highlight>
                   <a:srgbClr val="FFFFFF"/>
                 </a:highlight>
@@ -10280,7 +10404,7 @@
               <a:buChar char="•"/>
             </a:pPr>
             <a:r>
-              <a:rPr lang="en-US" sz="900">
+              <a:rPr lang="en-US" sz="1050" dirty="0">
                 <a:highlight>
                   <a:srgbClr val="FFFFFF"/>
                 </a:highlight>
@@ -10305,7 +10429,7 @@
               <a:buChar char="•"/>
             </a:pPr>
             <a:r>
-              <a:rPr lang="en-US" sz="900">
+              <a:rPr lang="en-US" sz="1050" dirty="0">
                 <a:highlight>
                   <a:srgbClr val="FFFFFF"/>
                 </a:highlight>
@@ -10314,7 +10438,7 @@
               <a:t>Secrets Manager uses this data key for </a:t>
             </a:r>
             <a:r>
-              <a:rPr lang="en-US" sz="900">
+              <a:rPr lang="en-US" sz="1050" dirty="0">
                 <a:highlight>
                   <a:srgbClr val="FFFFFF"/>
                 </a:highlight>
@@ -10333,7 +10457,7 @@
               <a:t>envelope encryption</a:t>
             </a:r>
             <a:r>
-              <a:rPr lang="en-US" sz="900">
+              <a:rPr lang="en-US" sz="1050" dirty="0">
                 <a:highlight>
                   <a:srgbClr val="FFFFFF"/>
                 </a:highlight>
@@ -10358,7 +10482,7 @@
               <a:buChar char="•"/>
             </a:pPr>
             <a:r>
-              <a:rPr lang="en-US" sz="900">
+              <a:rPr lang="en-US" sz="1050" dirty="0">
                 <a:highlight>
                   <a:srgbClr val="FFFFFF"/>
                 </a:highlight>
@@ -10366,7 +10490,7 @@
               </a:rPr>
               <a:t>Secrets Manager stores the encrypted data key with the encrypted secret.</a:t>
             </a:r>
-            <a:endParaRPr lang="en-US" sz="900">
+            <a:endParaRPr lang="en-US" sz="1050" dirty="0">
               <a:sym typeface="Arial"/>
             </a:endParaRPr>
           </a:p>
@@ -11075,7 +11199,7 @@
         <p:spPr>
           <a:xfrm>
             <a:off x="473202" y="1995678"/>
-            <a:ext cx="3614166" cy="2660904"/>
+            <a:ext cx="3838916" cy="2905024"/>
           </a:xfrm>
           <a:prstGeom prst="rect">
             <a:avLst/>
@@ -11083,11 +11207,14 @@
         </p:spPr>
         <p:txBody>
           <a:bodyPr spcFirstLastPara="1" vert="horz" lIns="91440" tIns="45720" rIns="91440" bIns="45720" rtlCol="0" anchor="t" anchorCtr="0">
-            <a:normAutofit/>
+            <a:normAutofit fontScale="92500" lnSpcReduction="20000"/>
           </a:bodyPr>
           <a:lstStyle/>
           <a:p>
             <a:pPr marL="0" lvl="0" indent="-228600" defTabSz="914400">
+              <a:lnSpc>
+                <a:spcPct val="150000"/>
+              </a:lnSpc>
               <a:spcBef>
                 <a:spcPts val="0"/>
               </a:spcBef>
@@ -11102,7 +11229,7 @@
               <a:buChar char="•"/>
             </a:pPr>
             <a:r>
-              <a:rPr lang="en-US" sz="1100">
+              <a:rPr lang="en-US" sz="1100" dirty="0">
                 <a:sym typeface="Arial"/>
               </a:rPr>
               <a:t>With replication feature, you can create Regional read replicas for your secrets.</a:t>
@@ -11110,6 +11237,9 @@
           </a:p>
           <a:p>
             <a:pPr marL="457200" lvl="0" indent="-228600" defTabSz="914400">
+              <a:lnSpc>
+                <a:spcPct val="150000"/>
+              </a:lnSpc>
               <a:spcBef>
                 <a:spcPts val="1200"/>
               </a:spcBef>
@@ -11124,7 +11254,7 @@
               <a:buChar char="•"/>
             </a:pPr>
             <a:r>
-              <a:rPr lang="en-US" sz="1100">
+              <a:rPr lang="en-US" sz="1100" dirty="0">
                 <a:sym typeface="Arial"/>
               </a:rPr>
               <a:t>When you create a new secret or edit an existing secret, you can specify the Regions where your secrets need to be replicated. </a:t>
@@ -11132,6 +11262,9 @@
           </a:p>
           <a:p>
             <a:pPr marL="457200" lvl="0" indent="-228600" defTabSz="914400">
+              <a:lnSpc>
+                <a:spcPct val="150000"/>
+              </a:lnSpc>
               <a:spcBef>
                 <a:spcPts val="0"/>
               </a:spcBef>
@@ -11146,7 +11279,7 @@
               <a:buChar char="•"/>
             </a:pPr>
             <a:r>
-              <a:rPr lang="en-US" sz="1100">
+              <a:rPr lang="en-US" sz="1100" dirty="0">
                 <a:sym typeface="Arial"/>
               </a:rPr>
               <a:t>Secrets Manager will securely create the read replicas for each secret and its associated metadata, eliminating the need to maintain a complex solution for this functionality. </a:t>
@@ -11154,6 +11287,9 @@
           </a:p>
           <a:p>
             <a:pPr marL="457200" lvl="0" indent="-228600" defTabSz="914400">
+              <a:lnSpc>
+                <a:spcPct val="150000"/>
+              </a:lnSpc>
               <a:spcBef>
                 <a:spcPts val="0"/>
               </a:spcBef>
@@ -11168,27 +11304,11 @@
               <a:buChar char="•"/>
             </a:pPr>
             <a:r>
-              <a:rPr lang="en-US" sz="1100">
+              <a:rPr lang="en-US" sz="1100" dirty="0">
                 <a:sym typeface="Arial"/>
               </a:rPr>
               <a:t>Any update made to the primary secret, such as a secret value updated through automatic rotation, will be automatically propagated by Secrets Manager to the replica secrets, making it easier to manage the life cycle of multi-Region secrets.</a:t>
             </a:r>
-          </a:p>
-          <a:p>
-            <a:pPr marL="0" lvl="0" indent="-228600" defTabSz="914400">
-              <a:spcBef>
-                <a:spcPts val="1200"/>
-              </a:spcBef>
-              <a:spcAft>
-                <a:spcPts val="1200"/>
-              </a:spcAft>
-              <a:buSzPts val="1800"/>
-              <a:buFont typeface="Arial" panose="020B0604020202020204" pitchFamily="34" charset="0"/>
-              <a:buChar char="•"/>
-            </a:pPr>
-            <a:endParaRPr lang="en-US" sz="1100">
-              <a:sym typeface="Arial"/>
-            </a:endParaRPr>
           </a:p>
         </p:txBody>
       </p:sp>
@@ -11214,6 +11334,691 @@
         </p:spPr>
       </p:pic>
     </p:spTree>
+  </p:cSld>
+  <p:clrMapOvr>
+    <a:masterClrMapping/>
+  </p:clrMapOvr>
+</p:sld>
+</file>
+
+<file path=ppt/slides/slide8.xml><?xml version="1.0" encoding="utf-8"?>
+<p:sld xmlns:a="http://schemas.openxmlformats.org/drawingml/2006/main" xmlns:r="http://schemas.openxmlformats.org/officeDocument/2006/relationships" xmlns:p="http://schemas.openxmlformats.org/presentationml/2006/main">
+  <p:cSld>
+    <p:spTree>
+      <p:nvGrpSpPr>
+        <p:cNvPr id="1" name="Shape 145"/>
+        <p:cNvGrpSpPr/>
+        <p:nvPr/>
+      </p:nvGrpSpPr>
+      <p:grpSpPr>
+        <a:xfrm>
+          <a:off x="0" y="0"/>
+          <a:ext cx="0" cy="0"/>
+          <a:chOff x="0" y="0"/>
+          <a:chExt cx="0" cy="0"/>
+        </a:xfrm>
+      </p:grpSpPr>
+      <p:sp>
+        <p:nvSpPr>
+          <p:cNvPr id="146" name="Google Shape;146;p27"/>
+          <p:cNvSpPr txBox="1">
+            <a:spLocks noGrp="1"/>
+          </p:cNvSpPr>
+          <p:nvPr>
+            <p:ph type="title"/>
+          </p:nvPr>
+        </p:nvSpPr>
+        <p:spPr>
+          <a:xfrm>
+            <a:off x="473202" y="480060"/>
+            <a:ext cx="3614166" cy="1110996"/>
+          </a:xfrm>
+          <a:prstGeom prst="rect">
+            <a:avLst/>
+          </a:prstGeom>
+        </p:spPr>
+        <p:txBody>
+          <a:bodyPr spcFirstLastPara="1" vert="horz" lIns="91440" tIns="45720" rIns="91440" bIns="45720" rtlCol="0" anchor="b" anchorCtr="0">
+            <a:normAutofit/>
+          </a:bodyPr>
+          <a:lstStyle/>
+          <a:p>
+            <a:pPr marL="0" lvl="0" indent="0" defTabSz="914400">
+              <a:spcAft>
+                <a:spcPts val="0"/>
+              </a:spcAft>
+              <a:buClr>
+                <a:schemeClr val="dk1"/>
+              </a:buClr>
+              <a:buSzPts val="2400"/>
+            </a:pPr>
+            <a:r>
+              <a:rPr lang="en-US" sz="2900" kern="1200">
+                <a:solidFill>
+                  <a:schemeClr val="tx1"/>
+                </a:solidFill>
+                <a:latin typeface="+mj-lt"/>
+                <a:ea typeface="+mj-ea"/>
+                <a:cs typeface="+mj-cs"/>
+              </a:rPr>
+              <a:t>AWS Systems Manager Parameter Store</a:t>
+            </a:r>
+            <a:endParaRPr lang="en-US" sz="2900" kern="1200">
+              <a:solidFill>
+                <a:schemeClr val="tx1"/>
+              </a:solidFill>
+              <a:latin typeface="+mj-lt"/>
+              <a:ea typeface="+mj-ea"/>
+              <a:cs typeface="+mj-cs"/>
+              <a:sym typeface="Economica"/>
+            </a:endParaRPr>
+          </a:p>
+        </p:txBody>
+      </p:sp>
+      <p:sp>
+        <p:nvSpPr>
+          <p:cNvPr id="147" name="Google Shape;147;p27"/>
+          <p:cNvSpPr txBox="1">
+            <a:spLocks noGrp="1"/>
+          </p:cNvSpPr>
+          <p:nvPr>
+            <p:ph sz="half" idx="1"/>
+          </p:nvPr>
+        </p:nvSpPr>
+        <p:spPr>
+          <a:xfrm>
+            <a:off x="473202" y="1995678"/>
+            <a:ext cx="3614166" cy="2660904"/>
+          </a:xfrm>
+          <a:prstGeom prst="rect">
+            <a:avLst/>
+          </a:prstGeom>
+        </p:spPr>
+        <p:txBody>
+          <a:bodyPr spcFirstLastPara="1" vert="horz" lIns="91440" tIns="45720" rIns="91440" bIns="45720" rtlCol="0" anchor="t" anchorCtr="0">
+            <a:normAutofit lnSpcReduction="10000"/>
+          </a:bodyPr>
+          <a:lstStyle/>
+          <a:p>
+            <a:pPr marL="0" lvl="0" indent="-228600" defTabSz="914400">
+              <a:spcBef>
+                <a:spcPts val="800"/>
+              </a:spcBef>
+              <a:spcAft>
+                <a:spcPts val="0"/>
+              </a:spcAft>
+            </a:pPr>
+            <a:r>
+              <a:rPr lang="en-US" sz="1100" b="1" dirty="0">
+                <a:sym typeface="Arial"/>
+              </a:rPr>
+              <a:t>AWS Systems Manager</a:t>
+            </a:r>
+            <a:r>
+              <a:rPr lang="en-US" sz="1100" dirty="0">
+                <a:sym typeface="Arial"/>
+              </a:rPr>
+              <a:t> provides a centralized store to manage your configuration data, whether plain-text data such as database strings or secrets such as passwords.</a:t>
+            </a:r>
+          </a:p>
+          <a:p>
+            <a:pPr marL="0" lvl="0" indent="-228600" defTabSz="914400">
+              <a:spcBef>
+                <a:spcPts val="1200"/>
+              </a:spcBef>
+              <a:spcAft>
+                <a:spcPts val="0"/>
+              </a:spcAft>
+            </a:pPr>
+            <a:r>
+              <a:rPr lang="en-US" sz="1100" dirty="0">
+                <a:sym typeface="Arial"/>
+              </a:rPr>
+              <a:t>This allows you to separate your secrets and configuration data from your code. </a:t>
+            </a:r>
+          </a:p>
+          <a:p>
+            <a:pPr marL="0" lvl="0" indent="-228600" defTabSz="914400">
+              <a:spcBef>
+                <a:spcPts val="1200"/>
+              </a:spcBef>
+              <a:spcAft>
+                <a:spcPts val="0"/>
+              </a:spcAft>
+            </a:pPr>
+            <a:r>
+              <a:rPr lang="en-US" sz="1100" dirty="0">
+                <a:sym typeface="Arial"/>
+              </a:rPr>
+              <a:t>Parameters can be tagged and organized into hierarchies, helping you manage parameters more easily.</a:t>
+            </a:r>
+          </a:p>
+          <a:p>
+            <a:pPr marL="0" lvl="0" indent="-228600" defTabSz="914400">
+              <a:spcBef>
+                <a:spcPts val="1200"/>
+              </a:spcBef>
+              <a:spcAft>
+                <a:spcPts val="0"/>
+              </a:spcAft>
+            </a:pPr>
+            <a:r>
+              <a:rPr lang="en-US" sz="1100" dirty="0">
+                <a:sym typeface="Arial"/>
+              </a:rPr>
+              <a:t>For example, you can use the same parameter name, “</a:t>
+            </a:r>
+            <a:r>
+              <a:rPr lang="en-US" sz="1100" dirty="0" err="1">
+                <a:sym typeface="Arial"/>
+              </a:rPr>
+              <a:t>db</a:t>
+            </a:r>
+            <a:r>
+              <a:rPr lang="en-US" sz="1100" dirty="0">
+                <a:sym typeface="Arial"/>
+              </a:rPr>
+              <a:t>-string”, with a different hierarchical path, “dev/</a:t>
+            </a:r>
+            <a:r>
+              <a:rPr lang="en-US" sz="1100" dirty="0" err="1">
+                <a:sym typeface="Arial"/>
+              </a:rPr>
+              <a:t>db</a:t>
+            </a:r>
+            <a:r>
+              <a:rPr lang="en-US" sz="1100" dirty="0">
+                <a:sym typeface="Arial"/>
+              </a:rPr>
+              <a:t>-string” or “prod/</a:t>
+            </a:r>
+            <a:r>
+              <a:rPr lang="en-US" sz="1100" dirty="0" err="1">
+                <a:sym typeface="Arial"/>
+              </a:rPr>
+              <a:t>db</a:t>
+            </a:r>
+            <a:r>
+              <a:rPr lang="en-US" sz="1100" dirty="0">
+                <a:sym typeface="Arial"/>
+              </a:rPr>
+              <a:t>-string”, to store different values.</a:t>
+            </a:r>
+          </a:p>
+          <a:p>
+            <a:pPr marL="0" lvl="0" indent="-228600" defTabSz="914400">
+              <a:spcBef>
+                <a:spcPts val="1200"/>
+              </a:spcBef>
+              <a:spcAft>
+                <a:spcPts val="0"/>
+              </a:spcAft>
+            </a:pPr>
+            <a:r>
+              <a:rPr lang="en-US" sz="1100" dirty="0">
+                <a:sym typeface="Arial"/>
+              </a:rPr>
+              <a:t>AWS Systems Manager is integrated with AWS Key Management Service (KMS), allowing you to automatically encrypt the data you store.</a:t>
+            </a:r>
+          </a:p>
+          <a:p>
+            <a:pPr marL="0" lvl="0" indent="-228600" defTabSz="914400">
+              <a:spcBef>
+                <a:spcPts val="1200"/>
+              </a:spcBef>
+              <a:spcAft>
+                <a:spcPts val="1200"/>
+              </a:spcAft>
+            </a:pPr>
+            <a:endParaRPr lang="en-US" sz="1100" dirty="0">
+              <a:sym typeface="Arial"/>
+            </a:endParaRPr>
+          </a:p>
+        </p:txBody>
+      </p:sp>
+      <p:pic>
+        <p:nvPicPr>
+          <p:cNvPr id="148" name="Google Shape;148;p27"/>
+          <p:cNvPicPr preferRelativeResize="0"/>
+          <p:nvPr/>
+        </p:nvPicPr>
+        <p:blipFill>
+          <a:blip r:embed="rId3"/>
+          <a:stretch>
+            <a:fillRect/>
+          </a:stretch>
+        </p:blipFill>
+        <p:spPr>
+          <a:xfrm>
+            <a:off x="4574286" y="678171"/>
+            <a:ext cx="4094226" cy="3787158"/>
+          </a:xfrm>
+          <a:prstGeom prst="rect">
+            <a:avLst/>
+          </a:prstGeom>
+          <a:noFill/>
+        </p:spPr>
+      </p:pic>
+    </p:spTree>
+  </p:cSld>
+  <p:clrMapOvr>
+    <a:masterClrMapping/>
+  </p:clrMapOvr>
+</p:sld>
+</file>
+
+<file path=ppt/slides/slide9.xml><?xml version="1.0" encoding="utf-8"?>
+<p:sld xmlns:a="http://schemas.openxmlformats.org/drawingml/2006/main" xmlns:r="http://schemas.openxmlformats.org/officeDocument/2006/relationships" xmlns:p="http://schemas.openxmlformats.org/presentationml/2006/main">
+  <p:cSld>
+    <p:bg>
+      <p:bgPr>
+        <a:solidFill>
+          <a:schemeClr val="bg1"/>
+        </a:solidFill>
+        <a:effectLst/>
+      </p:bgPr>
+    </p:bg>
+    <p:spTree>
+      <p:nvGrpSpPr>
+        <p:cNvPr id="1" name=""/>
+        <p:cNvGrpSpPr/>
+        <p:nvPr/>
+      </p:nvGrpSpPr>
+      <p:grpSpPr>
+        <a:xfrm>
+          <a:off x="0" y="0"/>
+          <a:ext cx="0" cy="0"/>
+          <a:chOff x="0" y="0"/>
+          <a:chExt cx="0" cy="0"/>
+        </a:xfrm>
+      </p:grpSpPr>
+      <p:sp>
+        <p:nvSpPr>
+          <p:cNvPr id="9" name="Rectangle 8">
+            <a:extLst>
+              <a:ext uri="{FF2B5EF4-FFF2-40B4-BE49-F238E27FC236}">
+                <a16:creationId xmlns:a16="http://schemas.microsoft.com/office/drawing/2014/main" id="{B36F400F-DF28-43BC-8D8E-4929793B392A}"/>
+              </a:ext>
+              <a:ext uri="{C183D7F6-B498-43B3-948B-1728B52AA6E4}">
+                <adec:decorative xmlns:adec="http://schemas.microsoft.com/office/drawing/2017/decorative" val="1"/>
+              </a:ext>
+            </a:extLst>
+          </p:cNvPr>
+          <p:cNvSpPr>
+            <a:spLocks noGrp="1" noRot="1" noChangeAspect="1" noMove="1" noResize="1" noEditPoints="1" noAdjustHandles="1" noChangeArrowheads="1" noChangeShapeType="1" noTextEdit="1"/>
+          </p:cNvSpPr>
+          <p:nvPr>
+            <p:extLst>
+              <p:ext uri="{386F3935-93C4-4BCD-93E2-E3B085C9AB24}">
+                <p16:designElem xmlns:p16="http://schemas.microsoft.com/office/powerpoint/2015/main" val="1"/>
+              </p:ext>
+            </p:extLst>
+          </p:nvPr>
+        </p:nvSpPr>
+        <p:spPr bwMode="ltGray">
+          <a:xfrm>
+            <a:off x="241173" y="240030"/>
+            <a:ext cx="8661654" cy="4663440"/>
+          </a:xfrm>
+          <a:prstGeom prst="rect">
+            <a:avLst/>
+          </a:prstGeom>
+          <a:solidFill>
+            <a:schemeClr val="tx1">
+              <a:alpha val="15000"/>
+            </a:schemeClr>
+          </a:solidFill>
+          <a:ln w="127000" cap="sq" cmpd="thinThick">
+            <a:solidFill>
+              <a:schemeClr val="tx1">
+                <a:alpha val="10000"/>
+              </a:schemeClr>
+            </a:solidFill>
+          </a:ln>
+        </p:spPr>
+        <p:style>
+          <a:lnRef idx="2">
+            <a:schemeClr val="accent1">
+              <a:shade val="50000"/>
+            </a:schemeClr>
+          </a:lnRef>
+          <a:fillRef idx="1">
+            <a:schemeClr val="accent1"/>
+          </a:fillRef>
+          <a:effectRef idx="0">
+            <a:schemeClr val="accent1"/>
+          </a:effectRef>
+          <a:fontRef idx="minor">
+            <a:schemeClr val="lt1"/>
+          </a:fontRef>
+        </p:style>
+        <p:txBody>
+          <a:bodyPr rtlCol="0" anchor="ctr"/>
+          <a:lstStyle/>
+          <a:p>
+            <a:pPr algn="ctr"/>
+            <a:endParaRPr lang="en-US"/>
+          </a:p>
+        </p:txBody>
+      </p:sp>
+      <p:sp>
+        <p:nvSpPr>
+          <p:cNvPr id="2" name="Title 1">
+            <a:extLst>
+              <a:ext uri="{FF2B5EF4-FFF2-40B4-BE49-F238E27FC236}">
+                <a16:creationId xmlns:a16="http://schemas.microsoft.com/office/drawing/2014/main" id="{412AB0CB-CC77-F6F2-3CEA-9370C499AAF3}"/>
+              </a:ext>
+            </a:extLst>
+          </p:cNvPr>
+          <p:cNvSpPr>
+            <a:spLocks noGrp="1"/>
+          </p:cNvSpPr>
+          <p:nvPr>
+            <p:ph type="title"/>
+          </p:nvPr>
+        </p:nvSpPr>
+        <p:spPr>
+          <a:xfrm>
+            <a:off x="628650" y="501283"/>
+            <a:ext cx="7886700" cy="701875"/>
+          </a:xfrm>
+        </p:spPr>
+        <p:txBody>
+          <a:bodyPr>
+            <a:normAutofit/>
+          </a:bodyPr>
+          <a:lstStyle/>
+          <a:p>
+            <a:r>
+              <a:rPr lang="en-CH" dirty="0"/>
+              <a:t>AWS SSM Parameter Store vs Secret Manager</a:t>
+            </a:r>
+          </a:p>
+        </p:txBody>
+      </p:sp>
+      <p:sp>
+        <p:nvSpPr>
+          <p:cNvPr id="8" name="Content Placeholder 7">
+            <a:extLst>
+              <a:ext uri="{FF2B5EF4-FFF2-40B4-BE49-F238E27FC236}">
+                <a16:creationId xmlns:a16="http://schemas.microsoft.com/office/drawing/2014/main" id="{93C31A1F-17A9-8CB2-1E78-B999902B662F}"/>
+              </a:ext>
+            </a:extLst>
+          </p:cNvPr>
+          <p:cNvSpPr>
+            <a:spLocks noGrp="1"/>
+          </p:cNvSpPr>
+          <p:nvPr>
+            <p:ph sz="half" idx="1"/>
+          </p:nvPr>
+        </p:nvSpPr>
+        <p:spPr>
+          <a:xfrm>
+            <a:off x="628650" y="1369218"/>
+            <a:ext cx="7886700" cy="3273000"/>
+          </a:xfrm>
+        </p:spPr>
+        <p:txBody>
+          <a:bodyPr>
+            <a:normAutofit fontScale="92500" lnSpcReduction="10000"/>
+          </a:bodyPr>
+          <a:lstStyle/>
+          <a:p>
+            <a:r>
+              <a:rPr lang="en-GB" sz="1100" b="1" i="0" dirty="0">
+                <a:effectLst/>
+              </a:rPr>
+              <a:t>Use Case</a:t>
+            </a:r>
+            <a:r>
+              <a:rPr lang="en-GB" sz="1100" b="0" i="0" dirty="0">
+                <a:effectLst/>
+              </a:rPr>
+              <a:t>:</a:t>
+            </a:r>
+          </a:p>
+          <a:p>
+            <a:pPr marL="742950" lvl="1" indent="-285750"/>
+            <a:r>
+              <a:rPr lang="en-GB" sz="1000" b="1" i="0" dirty="0">
+                <a:effectLst/>
+              </a:rPr>
+              <a:t>SSM Parameter Store</a:t>
+            </a:r>
+            <a:r>
+              <a:rPr lang="en-GB" sz="1000" b="0" i="0" dirty="0">
+                <a:effectLst/>
+              </a:rPr>
+              <a:t>: </a:t>
+            </a:r>
+            <a:r>
+              <a:rPr lang="en-GB" sz="1000" b="1" i="0" dirty="0">
+                <a:effectLst/>
+              </a:rPr>
+              <a:t>It is primarily used for storing configuration data and application secrets </a:t>
+            </a:r>
+            <a:r>
+              <a:rPr lang="en-GB" sz="1000" b="0" i="0" dirty="0">
+                <a:effectLst/>
+              </a:rPr>
+              <a:t>such as database connection strings, API keys, and environment variables. It is well-suited for managing a wide range of parameters needed for application configuration and operation.</a:t>
+            </a:r>
+          </a:p>
+          <a:p>
+            <a:pPr marL="742950" lvl="1" indent="-285750"/>
+            <a:r>
+              <a:rPr lang="en-GB" sz="1000" b="1" i="0" dirty="0">
+                <a:effectLst/>
+              </a:rPr>
+              <a:t>Secrets Manager</a:t>
+            </a:r>
+            <a:r>
+              <a:rPr lang="en-GB" sz="1000" b="0" i="0" dirty="0">
+                <a:effectLst/>
+              </a:rPr>
+              <a:t>: </a:t>
+            </a:r>
+            <a:r>
+              <a:rPr lang="en-GB" sz="1000" b="1" i="0" dirty="0">
+                <a:effectLst/>
+              </a:rPr>
+              <a:t>It is specifically designed for securely managing sensitive information and secrets</a:t>
+            </a:r>
+            <a:r>
+              <a:rPr lang="en-GB" sz="1000" b="0" i="0" dirty="0">
+                <a:effectLst/>
+              </a:rPr>
+              <a:t>, such as database credentials, API keys, and authentication tokens. It focuses on the secure storage, rotation, and retrieval of secrets used by applications and services.</a:t>
+            </a:r>
+          </a:p>
+          <a:p>
+            <a:r>
+              <a:rPr lang="en-GB" sz="1100" b="1" i="0" dirty="0">
+                <a:effectLst/>
+              </a:rPr>
+              <a:t>Rotation</a:t>
+            </a:r>
+            <a:r>
+              <a:rPr lang="en-GB" sz="1100" b="0" i="0" dirty="0">
+                <a:effectLst/>
+              </a:rPr>
+              <a:t>:</a:t>
+            </a:r>
+          </a:p>
+          <a:p>
+            <a:pPr marL="742950" lvl="1" indent="-285750"/>
+            <a:r>
+              <a:rPr lang="en-GB" sz="1000" b="1" i="0" dirty="0">
+                <a:effectLst/>
+              </a:rPr>
+              <a:t>SSM Parameter Store</a:t>
+            </a:r>
+            <a:r>
+              <a:rPr lang="en-GB" sz="1000" b="0" i="0" dirty="0">
+                <a:effectLst/>
+              </a:rPr>
+              <a:t>: </a:t>
+            </a:r>
+            <a:r>
+              <a:rPr lang="en-GB" sz="1000" b="1" i="0" dirty="0">
+                <a:effectLst/>
+                <a:highlight>
+                  <a:srgbClr val="FFFF00"/>
+                </a:highlight>
+              </a:rPr>
+              <a:t>It does not provide built-in support for automatic rotation of secrets</a:t>
+            </a:r>
+            <a:r>
+              <a:rPr lang="en-GB" sz="1000" b="0" i="0" dirty="0">
+                <a:effectLst/>
+              </a:rPr>
+              <a:t>. Users need to implement their own rotation mechanisms if secret rotation is required.</a:t>
+            </a:r>
+          </a:p>
+          <a:p>
+            <a:pPr marL="742950" lvl="1" indent="-285750"/>
+            <a:r>
+              <a:rPr lang="en-GB" sz="1000" b="1" i="0" dirty="0">
+                <a:effectLst/>
+              </a:rPr>
+              <a:t>Secrets Manager</a:t>
+            </a:r>
+            <a:r>
+              <a:rPr lang="en-GB" sz="1000" b="0" i="0" dirty="0">
+                <a:effectLst/>
+              </a:rPr>
+              <a:t>: </a:t>
+            </a:r>
+            <a:r>
+              <a:rPr lang="en-GB" sz="1000" b="1" i="0" dirty="0">
+                <a:effectLst/>
+                <a:highlight>
+                  <a:srgbClr val="FFFF00"/>
+                </a:highlight>
+              </a:rPr>
+              <a:t>It offers automatic secret rotation for supported AWS and third-party services, reducing the risk of exposure to sensitive information and ensuring that credentials are regularly updated.</a:t>
+            </a:r>
+          </a:p>
+          <a:p>
+            <a:r>
+              <a:rPr lang="en-GB" sz="1100" b="1" i="0" dirty="0">
+                <a:effectLst/>
+              </a:rPr>
+              <a:t>Integration</a:t>
+            </a:r>
+            <a:r>
+              <a:rPr lang="en-GB" sz="1100" b="0" i="0" dirty="0">
+                <a:effectLst/>
+              </a:rPr>
+              <a:t>:</a:t>
+            </a:r>
+          </a:p>
+          <a:p>
+            <a:pPr marL="742950" lvl="1" indent="-285750"/>
+            <a:r>
+              <a:rPr lang="en-GB" sz="1000" b="1" i="0" dirty="0">
+                <a:effectLst/>
+              </a:rPr>
+              <a:t>SSM Parameter Store</a:t>
+            </a:r>
+            <a:r>
+              <a:rPr lang="en-GB" sz="1000" b="0" i="0" dirty="0">
+                <a:effectLst/>
+              </a:rPr>
+              <a:t>: It integrates seamlessly with other AWS services and features, such as AWS Lambda, AWS CloudFormation, and AWS Identity and Access Management (IAM), allowing you to securely access and manage configuration data and secrets in your applications and infrastructure.</a:t>
+            </a:r>
+          </a:p>
+          <a:p>
+            <a:pPr marL="742950" lvl="1" indent="-285750"/>
+            <a:r>
+              <a:rPr lang="en-GB" sz="1000" b="1" i="0" dirty="0">
+                <a:effectLst/>
+              </a:rPr>
+              <a:t>Secrets Manager</a:t>
+            </a:r>
+            <a:r>
+              <a:rPr lang="en-GB" sz="1000" b="0" i="0" dirty="0">
+                <a:effectLst/>
+              </a:rPr>
+              <a:t>: It also integrates with AWS services like AWS Lambda, Amazon RDS, Amazon Redshift, and AWS CloudFormation, but it is specifically designed for managing secrets, providing dedicated APIs and features for secret management tasks.</a:t>
+            </a:r>
+          </a:p>
+          <a:p>
+            <a:r>
+              <a:rPr lang="en-GB" sz="1100" b="1" i="0" dirty="0">
+                <a:effectLst/>
+              </a:rPr>
+              <a:t>Pricing</a:t>
+            </a:r>
+            <a:r>
+              <a:rPr lang="en-GB" sz="1100" b="0" i="0" dirty="0">
+                <a:effectLst/>
+              </a:rPr>
+              <a:t>:</a:t>
+            </a:r>
+          </a:p>
+          <a:p>
+            <a:pPr marL="742950" lvl="1" indent="-285750"/>
+            <a:r>
+              <a:rPr lang="en-GB" sz="1000" b="1" i="0" dirty="0">
+                <a:effectLst/>
+              </a:rPr>
+              <a:t>SSM Parameter Store</a:t>
+            </a:r>
+            <a:r>
+              <a:rPr lang="en-GB" sz="1000" b="0" i="0" dirty="0">
+                <a:effectLst/>
+              </a:rPr>
+              <a:t>: </a:t>
+            </a:r>
+            <a:r>
+              <a:rPr lang="en-GB" sz="1000" b="1" i="0" dirty="0">
+                <a:effectLst/>
+              </a:rPr>
+              <a:t>It offers a cost-effective solution for storing configuration data and secrets</a:t>
+            </a:r>
+            <a:r>
+              <a:rPr lang="en-GB" sz="1000" b="0" i="0" dirty="0">
+                <a:effectLst/>
+              </a:rPr>
+              <a:t>, with a free tier and pay-as-you-go pricing based on API usage.</a:t>
+            </a:r>
+          </a:p>
+          <a:p>
+            <a:pPr marL="742950" lvl="1" indent="-285750"/>
+            <a:r>
+              <a:rPr lang="en-GB" sz="1000" b="1" i="0" dirty="0">
+                <a:effectLst/>
+              </a:rPr>
+              <a:t>Secrets Manager</a:t>
+            </a:r>
+            <a:r>
+              <a:rPr lang="en-GB" sz="1000" b="0" i="0" dirty="0">
+                <a:effectLst/>
+              </a:rPr>
+              <a:t>: </a:t>
+            </a:r>
+            <a:r>
+              <a:rPr lang="en-GB" sz="1000" b="1" i="0" dirty="0">
+                <a:effectLst/>
+              </a:rPr>
+              <a:t>It has a pay-as-you-go pricing model based on the number of secrets stored and API usage</a:t>
+            </a:r>
+            <a:r>
+              <a:rPr lang="en-GB" sz="1000" b="0" i="0" dirty="0">
+                <a:effectLst/>
+              </a:rPr>
+              <a:t>, with a free tier for the first 30 days and a low per-API-call pricing.</a:t>
+            </a:r>
+          </a:p>
+        </p:txBody>
+      </p:sp>
+    </p:spTree>
+    <p:extLst>
+      <p:ext uri="{BB962C8B-B14F-4D97-AF65-F5344CB8AC3E}">
+        <p14:creationId xmlns:p14="http://schemas.microsoft.com/office/powerpoint/2010/main" val="2334464298"/>
+      </p:ext>
+    </p:extLst>
   </p:cSld>
   <p:clrMapOvr>
     <a:masterClrMapping/>
